--- a/PowerPoint/Tutorial 3.pptx
+++ b/PowerPoint/Tutorial 3.pptx
@@ -255,7 +255,7 @@
           <a:p>
             <a:fld id="{412A36AD-C140-47B5-A0AA-2808AF1C1C9D}" type="datetimeFigureOut">
               <a:rPr lang="en-AU" smtClean="0"/>
-              <a:t>26/03/2020</a:t>
+              <a:t>27/03/2020</a:t>
             </a:fld>
             <a:endParaRPr lang="en-AU"/>
           </a:p>
@@ -420,7 +420,7 @@
           <a:p>
             <a:fld id="{2763829E-EB69-4A98-9D54-8D6822520B27}" type="datetimeFigureOut">
               <a:rPr lang="en-AU" smtClean="0"/>
-              <a:t>26/03/2020</a:t>
+              <a:t>27/03/2020</a:t>
             </a:fld>
             <a:endParaRPr lang="en-AU"/>
           </a:p>
@@ -1006,7 +1006,7 @@
           <a:bodyPr/>
           <a:lstStyle/>
           <a:p>
-            <a:endParaRPr lang="en-US"/>
+            <a:endParaRPr lang="en-US" dirty="0"/>
           </a:p>
         </p:txBody>
       </p:sp>
@@ -1815,7 +1815,7 @@
           <a:p>
             <a:r>
               <a:rPr lang="en-AU" dirty="0"/>
-              <a:t>Answer 1: </a:t>
+              <a:t>Answer 3: </a:t>
             </a:r>
             <a:r>
               <a:rPr lang="en-US" sz="1200" kern="1200" dirty="0">
@@ -1852,7 +1852,7 @@
                 <a:ea typeface="+mn-ea"/>
                 <a:cs typeface="+mn-cs"/>
               </a:rPr>
-              <a:t>Answer 2: With trade, workers at Home are paid in terms of cars because Home exports cars. Home is better off with trade because its real wage in terms of televisions has increased. Home real wage in terms of cars is the same with or without trade and is equal to the </a:t>
+              <a:t>Answer 4: With trade, workers at Home are paid in terms of cars because Home exports cars. Home is better off with trade because its real wage in terms of televisions has increased. Home real wage in terms of cars is the same with or without trade and is equal to the </a:t>
             </a:r>
             <a:r>
               <a:rPr lang="en-US" sz="1200" kern="1200" dirty="0" err="1">
@@ -2153,7 +2153,7 @@
                 <a:ea typeface="+mn-ea"/>
                 <a:cs typeface="+mn-cs"/>
               </a:rPr>
-              <a:t>Answer 3: With trade, Foreign workers are paid in terms of televisions because Foreign exports televisions. Foreign gains in terms of cars with trade. The Foreign wage with trade is (</a:t>
+              <a:t>Answer 5: With trade, Foreign workers are paid in terms of televisions because Foreign exports televisions. Foreign gains in terms of cars with trade. The Foreign wage with trade is (</a:t>
             </a:r>
             <a:r>
               <a:rPr lang="en-US" sz="1200" i="1" kern="1200" dirty="0">
@@ -2584,7 +2584,7 @@
             </a:pPr>
             <a:r>
               <a:rPr lang="en-AU" dirty="0"/>
-              <a:t>Answer 4: </a:t>
+              <a:t>Answer 6: </a:t>
             </a:r>
             <a:r>
               <a:rPr lang="en-US" sz="1200" kern="1200" dirty="0">
@@ -2787,8 +2787,376 @@
                 <a:ea typeface="+mn-ea"/>
                 <a:cs typeface="+mn-cs"/>
               </a:rPr>
-              <a:t>1</a:t>
-            </a:r>
+              <a:t>Answer 1: In Australia the relative price is P</a:t>
+            </a:r>
+            <a:r>
+              <a:rPr lang="en-US" sz="1200" kern="1200" baseline="-25000" dirty="0">
+                <a:solidFill>
+                  <a:schemeClr val="tx1"/>
+                </a:solidFill>
+                <a:effectLst/>
+                <a:latin typeface="+mn-lt"/>
+                <a:ea typeface="+mn-ea"/>
+                <a:cs typeface="+mn-cs"/>
+              </a:rPr>
+              <a:t>E</a:t>
+            </a:r>
+            <a:r>
+              <a:rPr lang="en-US" sz="1200" kern="1200" dirty="0">
+                <a:solidFill>
+                  <a:schemeClr val="tx1"/>
+                </a:solidFill>
+                <a:effectLst/>
+                <a:latin typeface="+mn-lt"/>
+                <a:ea typeface="+mn-ea"/>
+                <a:cs typeface="+mn-cs"/>
+              </a:rPr>
+              <a:t>/P</a:t>
+            </a:r>
+            <a:r>
+              <a:rPr lang="en-US" sz="1200" kern="1200" baseline="-25000" dirty="0">
+                <a:solidFill>
+                  <a:schemeClr val="tx1"/>
+                </a:solidFill>
+                <a:effectLst/>
+                <a:latin typeface="+mn-lt"/>
+                <a:ea typeface="+mn-ea"/>
+                <a:cs typeface="+mn-cs"/>
+              </a:rPr>
+              <a:t>C</a:t>
+            </a:r>
+            <a:r>
+              <a:rPr lang="en-US" sz="1200" kern="1200" dirty="0">
+                <a:solidFill>
+                  <a:schemeClr val="tx1"/>
+                </a:solidFill>
+                <a:effectLst/>
+                <a:latin typeface="+mn-lt"/>
+                <a:ea typeface="+mn-ea"/>
+                <a:cs typeface="+mn-cs"/>
+              </a:rPr>
+              <a:t>=1 and Q</a:t>
+            </a:r>
+            <a:r>
+              <a:rPr lang="en-US" sz="1200" kern="1200" baseline="-25000" dirty="0">
+                <a:solidFill>
+                  <a:schemeClr val="tx1"/>
+                </a:solidFill>
+                <a:effectLst/>
+                <a:latin typeface="+mn-lt"/>
+                <a:ea typeface="+mn-ea"/>
+                <a:cs typeface="+mn-cs"/>
+              </a:rPr>
+              <a:t>E</a:t>
+            </a:r>
+            <a:r>
+              <a:rPr lang="en-US" sz="1200" kern="1200" dirty="0">
+                <a:solidFill>
+                  <a:schemeClr val="tx1"/>
+                </a:solidFill>
+                <a:effectLst/>
+                <a:latin typeface="+mn-lt"/>
+                <a:ea typeface="+mn-ea"/>
+                <a:cs typeface="+mn-cs"/>
+              </a:rPr>
+              <a:t> = Q</a:t>
+            </a:r>
+            <a:r>
+              <a:rPr lang="en-US" sz="1200" kern="1200" baseline="-25000" dirty="0">
+                <a:solidFill>
+                  <a:schemeClr val="tx1"/>
+                </a:solidFill>
+                <a:effectLst/>
+                <a:latin typeface="+mn-lt"/>
+                <a:ea typeface="+mn-ea"/>
+                <a:cs typeface="+mn-cs"/>
+              </a:rPr>
+              <a:t>C</a:t>
+            </a:r>
+            <a:r>
+              <a:rPr lang="en-US" sz="1200" kern="1200" dirty="0">
+                <a:solidFill>
+                  <a:schemeClr val="tx1"/>
+                </a:solidFill>
+                <a:effectLst/>
+                <a:latin typeface="+mn-lt"/>
+                <a:ea typeface="+mn-ea"/>
+                <a:cs typeface="+mn-cs"/>
+              </a:rPr>
+              <a:t>=20. In China, the relative price is P</a:t>
+            </a:r>
+            <a:r>
+              <a:rPr lang="en-US" sz="1200" kern="1200" baseline="-25000" dirty="0">
+                <a:solidFill>
+                  <a:schemeClr val="tx1"/>
+                </a:solidFill>
+                <a:effectLst/>
+                <a:latin typeface="+mn-lt"/>
+                <a:ea typeface="+mn-ea"/>
+                <a:cs typeface="+mn-cs"/>
+              </a:rPr>
+              <a:t>E</a:t>
+            </a:r>
+            <a:r>
+              <a:rPr lang="en-US" sz="1200" kern="1200" dirty="0">
+                <a:solidFill>
+                  <a:schemeClr val="tx1"/>
+                </a:solidFill>
+                <a:effectLst/>
+                <a:latin typeface="+mn-lt"/>
+                <a:ea typeface="+mn-ea"/>
+                <a:cs typeface="+mn-cs"/>
+              </a:rPr>
+              <a:t>/P</a:t>
+            </a:r>
+            <a:r>
+              <a:rPr lang="en-US" sz="1200" kern="1200" baseline="-25000" dirty="0">
+                <a:solidFill>
+                  <a:schemeClr val="tx1"/>
+                </a:solidFill>
+                <a:effectLst/>
+                <a:latin typeface="+mn-lt"/>
+                <a:ea typeface="+mn-ea"/>
+                <a:cs typeface="+mn-cs"/>
+              </a:rPr>
+              <a:t>C</a:t>
+            </a:r>
+            <a:r>
+              <a:rPr lang="en-US" sz="1200" kern="1200" dirty="0">
+                <a:solidFill>
+                  <a:schemeClr val="tx1"/>
+                </a:solidFill>
+                <a:effectLst/>
+                <a:latin typeface="+mn-lt"/>
+                <a:ea typeface="+mn-ea"/>
+                <a:cs typeface="+mn-cs"/>
+              </a:rPr>
+              <a:t>=16 and Q</a:t>
+            </a:r>
+            <a:r>
+              <a:rPr lang="en-US" sz="1200" kern="1200" baseline="-25000" dirty="0">
+                <a:solidFill>
+                  <a:schemeClr val="tx1"/>
+                </a:solidFill>
+                <a:effectLst/>
+                <a:latin typeface="+mn-lt"/>
+                <a:ea typeface="+mn-ea"/>
+                <a:cs typeface="+mn-cs"/>
+              </a:rPr>
+              <a:t>E</a:t>
+            </a:r>
+            <a:r>
+              <a:rPr lang="en-US" sz="1200" kern="1200" dirty="0">
+                <a:solidFill>
+                  <a:schemeClr val="tx1"/>
+                </a:solidFill>
+                <a:effectLst/>
+                <a:latin typeface="+mn-lt"/>
+                <a:ea typeface="+mn-ea"/>
+                <a:cs typeface="+mn-cs"/>
+              </a:rPr>
+              <a:t> = Q</a:t>
+            </a:r>
+            <a:r>
+              <a:rPr lang="en-US" sz="1200" kern="1200" baseline="-25000" dirty="0">
+                <a:solidFill>
+                  <a:schemeClr val="tx1"/>
+                </a:solidFill>
+                <a:effectLst/>
+                <a:latin typeface="+mn-lt"/>
+                <a:ea typeface="+mn-ea"/>
+                <a:cs typeface="+mn-cs"/>
+              </a:rPr>
+              <a:t>C</a:t>
+            </a:r>
+            <a:r>
+              <a:rPr lang="en-US" sz="1200" kern="1200" dirty="0">
+                <a:solidFill>
+                  <a:schemeClr val="tx1"/>
+                </a:solidFill>
+                <a:effectLst/>
+                <a:latin typeface="+mn-lt"/>
+                <a:ea typeface="+mn-ea"/>
+                <a:cs typeface="+mn-cs"/>
+              </a:rPr>
+              <a:t>=10.</a:t>
+            </a:r>
+            <a:endParaRPr lang="en-AU" sz="1200" kern="1200" dirty="0">
+              <a:solidFill>
+                <a:schemeClr val="tx1"/>
+              </a:solidFill>
+              <a:effectLst/>
+              <a:latin typeface="+mn-lt"/>
+              <a:ea typeface="+mn-ea"/>
+              <a:cs typeface="+mn-cs"/>
+            </a:endParaRPr>
+          </a:p>
+          <a:p>
+            <a:r>
+              <a:rPr lang="en-US" sz="1200" kern="1200" dirty="0">
+                <a:solidFill>
+                  <a:schemeClr val="tx1"/>
+                </a:solidFill>
+                <a:effectLst/>
+                <a:latin typeface="+mn-lt"/>
+                <a:ea typeface="+mn-ea"/>
+                <a:cs typeface="+mn-cs"/>
+              </a:rPr>
+              <a:t>Answer 2: Production: In Australia Q</a:t>
+            </a:r>
+            <a:r>
+              <a:rPr lang="en-US" sz="1200" kern="1200" baseline="-25000" dirty="0">
+                <a:solidFill>
+                  <a:schemeClr val="tx1"/>
+                </a:solidFill>
+                <a:effectLst/>
+                <a:latin typeface="+mn-lt"/>
+                <a:ea typeface="+mn-ea"/>
+                <a:cs typeface="+mn-cs"/>
+              </a:rPr>
+              <a:t>E</a:t>
+            </a:r>
+            <a:r>
+              <a:rPr lang="en-US" sz="1200" kern="1200" dirty="0">
+                <a:solidFill>
+                  <a:schemeClr val="tx1"/>
+                </a:solidFill>
+                <a:effectLst/>
+                <a:latin typeface="+mn-lt"/>
+                <a:ea typeface="+mn-ea"/>
+                <a:cs typeface="+mn-cs"/>
+              </a:rPr>
+              <a:t>=40, Q</a:t>
+            </a:r>
+            <a:r>
+              <a:rPr lang="en-US" sz="1200" kern="1200" baseline="-25000" dirty="0">
+                <a:solidFill>
+                  <a:schemeClr val="tx1"/>
+                </a:solidFill>
+                <a:effectLst/>
+                <a:latin typeface="+mn-lt"/>
+                <a:ea typeface="+mn-ea"/>
+                <a:cs typeface="+mn-cs"/>
+              </a:rPr>
+              <a:t>C</a:t>
+            </a:r>
+            <a:r>
+              <a:rPr lang="en-US" sz="1200" kern="1200" dirty="0">
+                <a:solidFill>
+                  <a:schemeClr val="tx1"/>
+                </a:solidFill>
+                <a:effectLst/>
+                <a:latin typeface="+mn-lt"/>
+                <a:ea typeface="+mn-ea"/>
+                <a:cs typeface="+mn-cs"/>
+              </a:rPr>
+              <a:t>=0. In China, Q</a:t>
+            </a:r>
+            <a:r>
+              <a:rPr lang="en-US" sz="1200" kern="1200" baseline="-25000" dirty="0">
+                <a:solidFill>
+                  <a:schemeClr val="tx1"/>
+                </a:solidFill>
+                <a:effectLst/>
+                <a:latin typeface="+mn-lt"/>
+                <a:ea typeface="+mn-ea"/>
+                <a:cs typeface="+mn-cs"/>
+              </a:rPr>
+              <a:t>C</a:t>
+            </a:r>
+            <a:r>
+              <a:rPr lang="en-US" sz="1200" kern="1200" dirty="0">
+                <a:solidFill>
+                  <a:schemeClr val="tx1"/>
+                </a:solidFill>
+                <a:effectLst/>
+                <a:latin typeface="+mn-lt"/>
+                <a:ea typeface="+mn-ea"/>
+                <a:cs typeface="+mn-cs"/>
+              </a:rPr>
+              <a:t>=320, Q</a:t>
+            </a:r>
+            <a:r>
+              <a:rPr lang="en-US" sz="1200" kern="1200" baseline="-25000" dirty="0">
+                <a:solidFill>
+                  <a:schemeClr val="tx1"/>
+                </a:solidFill>
+                <a:effectLst/>
+                <a:latin typeface="+mn-lt"/>
+                <a:ea typeface="+mn-ea"/>
+                <a:cs typeface="+mn-cs"/>
+              </a:rPr>
+              <a:t>E</a:t>
+            </a:r>
+            <a:r>
+              <a:rPr lang="en-US" sz="1200" kern="1200" dirty="0">
+                <a:solidFill>
+                  <a:schemeClr val="tx1"/>
+                </a:solidFill>
+                <a:effectLst/>
+                <a:latin typeface="+mn-lt"/>
+                <a:ea typeface="+mn-ea"/>
+                <a:cs typeface="+mn-cs"/>
+              </a:rPr>
+              <a:t>=0. Consumption: In Australia: Computer = 1600, education =20. In China, the same, computer =1600, education = 20. Australia exports education, 20 units and imports computer, 160. China imports education, 20 and export computers, 160. The relative price of education is P</a:t>
+            </a:r>
+            <a:r>
+              <a:rPr lang="en-US" sz="1200" kern="1200" baseline="-25000" dirty="0">
+                <a:solidFill>
+                  <a:schemeClr val="tx1"/>
+                </a:solidFill>
+                <a:effectLst/>
+                <a:latin typeface="+mn-lt"/>
+                <a:ea typeface="+mn-ea"/>
+                <a:cs typeface="+mn-cs"/>
+              </a:rPr>
+              <a:t>E</a:t>
+            </a:r>
+            <a:r>
+              <a:rPr lang="en-US" sz="1200" kern="1200" dirty="0">
+                <a:solidFill>
+                  <a:schemeClr val="tx1"/>
+                </a:solidFill>
+                <a:effectLst/>
+                <a:latin typeface="+mn-lt"/>
+                <a:ea typeface="+mn-ea"/>
+                <a:cs typeface="+mn-cs"/>
+              </a:rPr>
+              <a:t>/P</a:t>
+            </a:r>
+            <a:r>
+              <a:rPr lang="en-US" sz="1200" kern="1200" baseline="-25000" dirty="0">
+                <a:solidFill>
+                  <a:schemeClr val="tx1"/>
+                </a:solidFill>
+                <a:effectLst/>
+                <a:latin typeface="+mn-lt"/>
+                <a:ea typeface="+mn-ea"/>
+                <a:cs typeface="+mn-cs"/>
+              </a:rPr>
+              <a:t>C</a:t>
+            </a:r>
+            <a:r>
+              <a:rPr lang="en-US" sz="1200" kern="1200" dirty="0">
+                <a:solidFill>
+                  <a:schemeClr val="tx1"/>
+                </a:solidFill>
+                <a:effectLst/>
+                <a:latin typeface="+mn-lt"/>
+                <a:ea typeface="+mn-ea"/>
+                <a:cs typeface="+mn-cs"/>
+              </a:rPr>
+              <a:t> = 8.</a:t>
+            </a:r>
+            <a:endParaRPr lang="en-AU" sz="1200" kern="1200" dirty="0">
+              <a:solidFill>
+                <a:schemeClr val="tx1"/>
+              </a:solidFill>
+              <a:effectLst/>
+              <a:latin typeface="+mn-lt"/>
+              <a:ea typeface="+mn-ea"/>
+              <a:cs typeface="+mn-cs"/>
+            </a:endParaRPr>
           </a:p>
         </p:txBody>
       </p:sp>
@@ -29005,7 +29373,7 @@
         </p:nvSpPr>
         <p:spPr>
           <a:xfrm>
-            <a:off x="1415480" y="908720"/>
+            <a:off x="1307468" y="1146235"/>
             <a:ext cx="9577064" cy="1477328"/>
           </a:xfrm>
           <a:prstGeom prst="rect">
@@ -29054,8 +29422,8 @@
         </p:nvSpPr>
         <p:spPr>
           <a:xfrm>
-            <a:off x="1871700" y="5157192"/>
-            <a:ext cx="8448600" cy="923330"/>
+            <a:off x="1254393" y="4581703"/>
+            <a:ext cx="9721080" cy="646331"/>
           </a:xfrm>
           <a:prstGeom prst="rect">
             <a:avLst/>
@@ -29092,8 +29460,8 @@
         </p:nvSpPr>
         <p:spPr>
           <a:xfrm>
-            <a:off x="1979712" y="3309955"/>
-            <a:ext cx="8448600" cy="923330"/>
+            <a:off x="1235460" y="3140968"/>
+            <a:ext cx="9721080" cy="923330"/>
           </a:xfrm>
           <a:prstGeom prst="rect">
             <a:avLst/>
@@ -31011,7 +31379,7 @@
           <a:p>
             <a:pPr marL="342900" lvl="0" indent="-342900">
               <a:buFont typeface="+mj-lt"/>
-              <a:buAutoNum type="arabicPeriod"/>
+              <a:buAutoNum type="arabicPeriod" startAt="3"/>
             </a:pPr>
             <a:r>
               <a:rPr lang="en-US" dirty="0"/>
@@ -31045,14 +31413,14 @@
           <a:p>
             <a:pPr marL="342900" lvl="0" indent="-342900">
               <a:buFont typeface="+mj-lt"/>
-              <a:buAutoNum type="arabicPeriod"/>
+              <a:buAutoNum type="arabicPeriod" startAt="3"/>
             </a:pPr>
             <a:endParaRPr lang="en-AU" sz="1200" dirty="0"/>
           </a:p>
           <a:p>
             <a:pPr marL="342900" lvl="0" indent="-342900">
               <a:buFont typeface="+mj-lt"/>
-              <a:buAutoNum type="arabicPeriod"/>
+              <a:buAutoNum type="arabicPeriod" startAt="3"/>
             </a:pPr>
             <a:r>
               <a:rPr lang="en-US" dirty="0"/>
@@ -31063,14 +31431,14 @@
           <a:p>
             <a:pPr marL="342900" lvl="0" indent="-342900">
               <a:buFont typeface="+mj-lt"/>
-              <a:buAutoNum type="arabicPeriod"/>
+              <a:buAutoNum type="arabicPeriod" startAt="3"/>
             </a:pPr>
             <a:endParaRPr lang="en-AU" sz="1200" dirty="0"/>
           </a:p>
           <a:p>
             <a:pPr marL="342900" lvl="0" indent="-342900">
               <a:buFont typeface="+mj-lt"/>
-              <a:buAutoNum type="arabicPeriod"/>
+              <a:buAutoNum type="arabicPeriod" startAt="3"/>
             </a:pPr>
             <a:r>
               <a:rPr lang="en-US" dirty="0">
@@ -31089,14 +31457,14 @@
           <a:p>
             <a:pPr marL="342900" lvl="0" indent="-342900">
               <a:buFont typeface="+mj-lt"/>
-              <a:buAutoNum type="arabicPeriod"/>
+              <a:buAutoNum type="arabicPeriod" startAt="3"/>
             </a:pPr>
             <a:endParaRPr lang="en-AU" sz="1200" dirty="0"/>
           </a:p>
           <a:p>
             <a:pPr marL="342900" lvl="0" indent="-342900">
               <a:buFont typeface="+mj-lt"/>
-              <a:buAutoNum type="arabicPeriod"/>
+              <a:buAutoNum type="arabicPeriod" startAt="3"/>
             </a:pPr>
             <a:r>
               <a:rPr lang="en-US" dirty="0"/>
@@ -33606,14 +33974,23 @@
           </a:bodyPr>
           <a:lstStyle/>
           <a:p>
-            <a:pPr algn="ctr"/>
             <a:r>
               <a:rPr lang="en-AU" sz="1600" b="1" dirty="0">
                 <a:solidFill>
                   <a:schemeClr val="accent1"/>
                 </a:solidFill>
               </a:rPr>
-              <a:t>Here the MRS of education for computers is the same in both countries and is equal to total consumption of computers divided by total consumption of education in the country</a:t>
+              <a:t>MRS is equal to total consumption of computers divided by total consumption of education in the country. </a:t>
+            </a:r>
+          </a:p>
+          <a:p>
+            <a:r>
+              <a:rPr lang="en-AU" sz="1600" b="1" dirty="0">
+                <a:solidFill>
+                  <a:schemeClr val="accent1"/>
+                </a:solidFill>
+              </a:rPr>
+              <a:t>For question 2 the MRS is the same in both countries.</a:t>
             </a:r>
           </a:p>
         </p:txBody>
@@ -35232,18 +35609,18 @@
 </file>
 
 <file path=customXml/item2.xml><?xml version="1.0" encoding="utf-8"?>
+<p:properties xmlns:p="http://schemas.microsoft.com/office/2006/metadata/properties" xmlns:xsi="http://www.w3.org/2001/XMLSchema-instance" xmlns:pc="http://schemas.microsoft.com/office/infopath/2007/PartnerControls">
+  <documentManagement/>
+</p:properties>
+</file>
+
+<file path=customXml/item3.xml><?xml version="1.0" encoding="utf-8"?>
 <?mso-contentType ?>
 <FormTemplates xmlns="http://schemas.microsoft.com/sharepoint/v3/contenttype/forms">
   <Display>DocumentLibraryForm</Display>
   <Edit>DocumentLibraryForm</Edit>
   <New>DocumentLibraryForm</New>
 </FormTemplates>
-</file>
-
-<file path=customXml/item3.xml><?xml version="1.0" encoding="utf-8"?>
-<p:properties xmlns:p="http://schemas.microsoft.com/office/2006/metadata/properties" xmlns:xsi="http://www.w3.org/2001/XMLSchema-instance" xmlns:pc="http://schemas.microsoft.com/office/infopath/2007/PartnerControls">
-  <documentManagement/>
-</p:properties>
 </file>
 
 <file path=customXml/itemProps1.xml><?xml version="1.0" encoding="utf-8"?>
@@ -35266,14 +35643,6 @@
 </file>
 
 <file path=customXml/itemProps2.xml><?xml version="1.0" encoding="utf-8"?>
-<ds:datastoreItem xmlns:ds="http://schemas.openxmlformats.org/officeDocument/2006/customXml" ds:itemID="{69A8CF8B-AC47-42C9-A853-87BA2FDF18AC}">
-  <ds:schemaRefs>
-    <ds:schemaRef ds:uri="http://schemas.microsoft.com/sharepoint/v3/contenttype/forms"/>
-  </ds:schemaRefs>
-</ds:datastoreItem>
-</file>
-
-<file path=customXml/itemProps3.xml><?xml version="1.0" encoding="utf-8"?>
 <ds:datastoreItem xmlns:ds="http://schemas.openxmlformats.org/officeDocument/2006/customXml" ds:itemID="{068FF060-98E6-4FEF-B2C4-6F1A18B39E8D}">
   <ds:schemaRefs>
     <ds:schemaRef ds:uri="d6355a53-9a9b-4f9f-a280-78e6a77ff033"/>
@@ -35288,4 +35657,12 @@
     <ds:schemaRef ds:uri="http://purl.org/dc/elements/1.1/"/>
   </ds:schemaRefs>
 </ds:datastoreItem>
+</file>
+
+<file path=customXml/itemProps3.xml><?xml version="1.0" encoding="utf-8"?>
+<ds:datastoreItem xmlns:ds="http://schemas.openxmlformats.org/officeDocument/2006/customXml" ds:itemID="{69A8CF8B-AC47-42C9-A853-87BA2FDF18AC}">
+  <ds:schemaRefs>
+    <ds:schemaRef ds:uri="http://schemas.microsoft.com/sharepoint/v3/contenttype/forms"/>
+  </ds:schemaRefs>
+</ds:datastoreItem>
 </file>